--- a/001. 세미나 자료/02.2015/02. 2차시/2015-02-27_DuhyunHwang_programmingSeminar.pptx
+++ b/001. 세미나 자료/02.2015/02. 2차시/2015-02-27_DuhyunHwang_programmingSeminar.pptx
@@ -5,10 +5,10 @@
     <p:sldMasterId id="2147483672" r:id="rId1"/>
   </p:sldMasterIdLst>
   <p:notesMasterIdLst>
-    <p:notesMasterId r:id="rId8"/>
+    <p:notesMasterId r:id="rId9"/>
   </p:notesMasterIdLst>
   <p:handoutMasterIdLst>
-    <p:handoutMasterId r:id="rId9"/>
+    <p:handoutMasterId r:id="rId10"/>
   </p:handoutMasterIdLst>
   <p:sldIdLst>
     <p:sldId id="256" r:id="rId2"/>
@@ -16,7 +16,8 @@
     <p:sldId id="269" r:id="rId4"/>
     <p:sldId id="271" r:id="rId5"/>
     <p:sldId id="273" r:id="rId6"/>
-    <p:sldId id="258" r:id="rId7"/>
+    <p:sldId id="274" r:id="rId7"/>
+    <p:sldId id="258" r:id="rId8"/>
   </p:sldIdLst>
   <p:sldSz cx="12192000" cy="6858000"/>
   <p:notesSz cx="6858000" cy="9144000"/>
@@ -971,6 +972,72 @@
 </file>
 
 <file path=ppt/notesSlides/notesSlide6.xml><?xml version="1.0" encoding="utf-8"?>
+<p:notes xmlns:a="http://schemas.openxmlformats.org/drawingml/2006/main" xmlns:r="http://schemas.openxmlformats.org/officeDocument/2006/relationships" xmlns:p="http://schemas.openxmlformats.org/presentationml/2006/main">
+  <p:cSld>
+    <p:spTree>
+      <p:nvGrpSpPr>
+        <p:cNvPr id="1" name=""/>
+        <p:cNvGrpSpPr/>
+        <p:nvPr/>
+      </p:nvGrpSpPr>
+      <p:grpSpPr>
+        <a:xfrm>
+          <a:off x="0" y="0"/>
+          <a:ext cx="0" cy="0"/>
+          <a:chOff x="0" y="0"/>
+          <a:chExt cx="0" cy="0"/>
+        </a:xfrm>
+      </p:grpSpPr>
+      <p:sp>
+        <p:nvSpPr>
+          <p:cNvPr id="2" name="슬라이드 이미지 개체 틀 1"/>
+          <p:cNvSpPr>
+            <a:spLocks noGrp="1" noRot="1" noChangeAspect="1"/>
+          </p:cNvSpPr>
+          <p:nvPr>
+            <p:ph type="sldImg"/>
+          </p:nvPr>
+        </p:nvSpPr>
+        <p:spPr>
+          <a:xfrm>
+            <a:off x="685800" y="1143000"/>
+            <a:ext cx="5486400" cy="3086100"/>
+          </a:xfrm>
+        </p:spPr>
+      </p:sp>
+      <p:sp>
+        <p:nvSpPr>
+          <p:cNvPr id="3" name="슬라이드 노트 개체 틀 2"/>
+          <p:cNvSpPr>
+            <a:spLocks noGrp="1"/>
+          </p:cNvSpPr>
+          <p:nvPr>
+            <p:ph type="body" idx="1"/>
+          </p:nvPr>
+        </p:nvSpPr>
+        <p:spPr/>
+        <p:txBody>
+          <a:bodyPr/>
+          <a:lstStyle/>
+          <a:p>
+            <a:endParaRPr lang="ko-KR" altLang="en-US" dirty="0"/>
+          </a:p>
+        </p:txBody>
+      </p:sp>
+    </p:spTree>
+    <p:extLst>
+      <p:ext uri="{BB962C8B-B14F-4D97-AF65-F5344CB8AC3E}">
+        <p14:creationId xmlns:p14="http://schemas.microsoft.com/office/powerpoint/2010/main" val="3806205600"/>
+      </p:ext>
+    </p:extLst>
+  </p:cSld>
+  <p:clrMapOvr>
+    <a:masterClrMapping/>
+  </p:clrMapOvr>
+</p:notes>
+</file>
+
+<file path=ppt/notesSlides/notesSlide7.xml><?xml version="1.0" encoding="utf-8"?>
 <p:notes xmlns:a="http://schemas.openxmlformats.org/drawingml/2006/main" xmlns:r="http://schemas.openxmlformats.org/officeDocument/2006/relationships" xmlns:p="http://schemas.openxmlformats.org/presentationml/2006/main">
   <p:cSld>
     <p:spTree>
@@ -3930,15 +3997,7 @@
             </a:r>
             <a:r>
               <a:rPr lang="en-US" altLang="ko-KR" sz="3200" b="1" dirty="0" smtClean="0"/>
-              <a:t> </a:t>
-            </a:r>
-            <a:r>
-              <a:rPr lang="en-US" altLang="ko-KR" sz="3200" b="1" dirty="0" smtClean="0"/>
-              <a:t>Programming </a:t>
-            </a:r>
-            <a:r>
-              <a:rPr lang="en-US" altLang="ko-KR" sz="3200" b="1" dirty="0" smtClean="0"/>
-              <a:t>Semina</a:t>
+              <a:t> Programming Semina</a:t>
             </a:r>
             <a:r>
               <a:rPr lang="en-US" altLang="ko-KR" sz="3200" b="1" dirty="0"/>
@@ -4312,20 +4371,7 @@
                 <a:latin typeface="맑은 고딕" panose="020B0503020000020004" pitchFamily="50" charset="-127"/>
                 <a:ea typeface="맑은 고딕" panose="020B0503020000020004" pitchFamily="50" charset="-127"/>
               </a:rPr>
-              <a:t> Programming </a:t>
-            </a:r>
-            <a:r>
-              <a:rPr lang="en-US" altLang="ko-KR" sz="700" b="1" dirty="0" smtClean="0">
-                <a:solidFill>
-                  <a:schemeClr val="tx1">
-                    <a:lumMod val="75000"/>
-                    <a:lumOff val="25000"/>
-                  </a:schemeClr>
-                </a:solidFill>
-                <a:latin typeface="맑은 고딕" panose="020B0503020000020004" pitchFamily="50" charset="-127"/>
-                <a:ea typeface="맑은 고딕" panose="020B0503020000020004" pitchFamily="50" charset="-127"/>
-              </a:rPr>
-              <a:t>Seminar</a:t>
+              <a:t> Programming Seminar</a:t>
             </a:r>
             <a:endParaRPr lang="ko-KR" altLang="en-US" sz="700" b="1" dirty="0">
               <a:solidFill>
@@ -4456,7 +4502,7 @@
         <p:spPr>
           <a:xfrm>
             <a:off x="2499799" y="1991992"/>
-            <a:ext cx="9361086" cy="1323439"/>
+            <a:ext cx="9361086" cy="1938992"/>
           </a:xfrm>
           <a:prstGeom prst="rect">
             <a:avLst/>
@@ -4531,6 +4577,38 @@
               </a:rPr>
               <a:t>Code</a:t>
             </a:r>
+          </a:p>
+          <a:p>
+            <a:pPr marL="228600" indent="-228600">
+              <a:lnSpc>
+                <a:spcPct val="250000"/>
+              </a:lnSpc>
+              <a:buAutoNum type="arabicPeriod"/>
+            </a:pPr>
+            <a:r>
+              <a:rPr lang="en-US" altLang="ko-KR" sz="1600" b="1" smtClean="0">
+                <a:gradFill>
+                  <a:gsLst>
+                    <a:gs pos="0">
+                      <a:schemeClr val="tx1">
+                        <a:lumMod val="75000"/>
+                        <a:lumOff val="25000"/>
+                      </a:schemeClr>
+                    </a:gs>
+                    <a:gs pos="50000">
+                      <a:schemeClr val="tx1">
+                        <a:lumMod val="75000"/>
+                        <a:lumOff val="25000"/>
+                      </a:schemeClr>
+                    </a:gs>
+                  </a:gsLst>
+                  <a:lin ang="5400000" scaled="0"/>
+                </a:gradFill>
+                <a:latin typeface="맑은 고딕" panose="020B0503020000020004" pitchFamily="50" charset="-127"/>
+                <a:ea typeface="맑은 고딕" panose="020B0503020000020004" pitchFamily="50" charset="-127"/>
+              </a:rPr>
+              <a:t>Result</a:t>
+            </a:r>
             <a:endParaRPr lang="en-US" altLang="ko-KR" sz="1600" b="1" dirty="0" smtClean="0">
               <a:gradFill>
                 <a:gsLst>
@@ -4740,20 +4818,7 @@
                 <a:latin typeface="맑은 고딕" panose="020B0503020000020004" pitchFamily="50" charset="-127"/>
                 <a:ea typeface="맑은 고딕" panose="020B0503020000020004" pitchFamily="50" charset="-127"/>
               </a:rPr>
-              <a:t> Programming </a:t>
-            </a:r>
-            <a:r>
-              <a:rPr lang="en-US" altLang="ko-KR" sz="700" b="1" dirty="0" smtClean="0">
-                <a:solidFill>
-                  <a:schemeClr val="tx1">
-                    <a:lumMod val="75000"/>
-                    <a:lumOff val="25000"/>
-                  </a:schemeClr>
-                </a:solidFill>
-                <a:latin typeface="맑은 고딕" panose="020B0503020000020004" pitchFamily="50" charset="-127"/>
-                <a:ea typeface="맑은 고딕" panose="020B0503020000020004" pitchFamily="50" charset="-127"/>
-              </a:rPr>
-              <a:t>Seminar</a:t>
+              <a:t> Programming Seminar</a:t>
             </a:r>
             <a:endParaRPr lang="ko-KR" altLang="en-US" sz="700" b="1" dirty="0">
               <a:solidFill>
@@ -4918,25 +4983,7 @@
                 <a:latin typeface="HY견명조" panose="02030600000101010101" pitchFamily="18" charset="-127"/>
                 <a:ea typeface="HY견명조" panose="02030600000101010101" pitchFamily="18" charset="-127"/>
               </a:rPr>
-              <a:t>1. </a:t>
-            </a:r>
-            <a:r>
-              <a:rPr lang="en-US" altLang="ko-KR" sz="2000" dirty="0" smtClean="0">
-                <a:gradFill>
-                  <a:gsLst>
-                    <a:gs pos="0">
-                      <a:srgbClr val="C00000"/>
-                    </a:gs>
-                    <a:gs pos="100000">
-                      <a:srgbClr val="C00000"/>
-                    </a:gs>
-                  </a:gsLst>
-                  <a:lin ang="5400000" scaled="0"/>
-                </a:gradFill>
-                <a:latin typeface="HY견명조" panose="02030600000101010101" pitchFamily="18" charset="-127"/>
-                <a:ea typeface="HY견명조" panose="02030600000101010101" pitchFamily="18" charset="-127"/>
-              </a:rPr>
-              <a:t>Algorithm</a:t>
+              <a:t>1. Algorithm</a:t>
             </a:r>
             <a:endParaRPr lang="ko-KR" altLang="en-US" sz="2000" dirty="0">
               <a:gradFill>
@@ -5043,20 +5090,7 @@
                 <a:latin typeface="맑은 고딕" panose="020B0503020000020004" pitchFamily="50" charset="-127"/>
                 <a:ea typeface="맑은 고딕" panose="020B0503020000020004" pitchFamily="50" charset="-127"/>
               </a:rPr>
-              <a:t> Programming </a:t>
-            </a:r>
-            <a:r>
-              <a:rPr lang="en-US" altLang="ko-KR" sz="700" b="1" dirty="0" smtClean="0">
-                <a:solidFill>
-                  <a:schemeClr val="tx1">
-                    <a:lumMod val="75000"/>
-                    <a:lumOff val="25000"/>
-                  </a:schemeClr>
-                </a:solidFill>
-                <a:latin typeface="맑은 고딕" panose="020B0503020000020004" pitchFamily="50" charset="-127"/>
-                <a:ea typeface="맑은 고딕" panose="020B0503020000020004" pitchFamily="50" charset="-127"/>
-              </a:rPr>
-              <a:t>Seminar</a:t>
+              <a:t> Programming Seminar</a:t>
             </a:r>
             <a:endParaRPr lang="ko-KR" altLang="en-US" sz="700" b="1" dirty="0">
               <a:solidFill>
@@ -7961,53 +7995,8 @@
                 <a:latin typeface="한컴 윤고딕 230" panose="02020603020101020101" pitchFamily="18" charset="-127"/>
                 <a:ea typeface="한컴 윤고딕 230" panose="02020603020101020101" pitchFamily="18" charset="-127"/>
               </a:rPr>
-              <a:t>E</a:t>
-            </a:r>
-            <a:r>
-              <a:rPr lang="en-US" altLang="ko-KR" sz="1600" b="1" spc="-20" dirty="0" smtClean="0">
-                <a:gradFill>
-                  <a:gsLst>
-                    <a:gs pos="0">
-                      <a:schemeClr val="tx1">
-                        <a:lumMod val="75000"/>
-                        <a:lumOff val="25000"/>
-                      </a:schemeClr>
-                    </a:gs>
-                    <a:gs pos="50000">
-                      <a:schemeClr val="tx1">
-                        <a:lumMod val="75000"/>
-                        <a:lumOff val="25000"/>
-                      </a:schemeClr>
-                    </a:gs>
-                  </a:gsLst>
-                  <a:lin ang="5400000" scaled="0"/>
-                </a:gradFill>
-                <a:latin typeface="한컴 윤고딕 230" panose="02020603020101020101" pitchFamily="18" charset="-127"/>
-                <a:ea typeface="한컴 윤고딕 230" panose="02020603020101020101" pitchFamily="18" charset="-127"/>
-              </a:rPr>
-              <a:t>xample</a:t>
-            </a:r>
-            <a:endParaRPr lang="en-US" altLang="ko-KR" sz="1600" b="1" spc="-20" dirty="0" smtClean="0">
-              <a:gradFill>
-                <a:gsLst>
-                  <a:gs pos="0">
-                    <a:schemeClr val="tx1">
-                      <a:lumMod val="75000"/>
-                      <a:lumOff val="25000"/>
-                    </a:schemeClr>
-                  </a:gs>
-                  <a:gs pos="50000">
-                    <a:schemeClr val="tx1">
-                      <a:lumMod val="75000"/>
-                      <a:lumOff val="25000"/>
-                    </a:schemeClr>
-                  </a:gs>
-                </a:gsLst>
-                <a:lin ang="5400000" scaled="0"/>
-              </a:gradFill>
-              <a:latin typeface="한컴 윤고딕 230" panose="02020603020101020101" pitchFamily="18" charset="-127"/>
-              <a:ea typeface="한컴 윤고딕 230" panose="02020603020101020101" pitchFamily="18" charset="-127"/>
-            </a:endParaRPr>
+              <a:t>Example</a:t>
+            </a:r>
           </a:p>
           <a:p>
             <a:pPr>
@@ -8207,27 +8196,6 @@
               </a:rPr>
               <a:t>2. Error detection</a:t>
             </a:r>
-            <a:endParaRPr lang="en-US" altLang="ko-KR" sz="1600" b="1" spc="-20" dirty="0" smtClean="0">
-              <a:gradFill>
-                <a:gsLst>
-                  <a:gs pos="0">
-                    <a:schemeClr val="tx1">
-                      <a:lumMod val="75000"/>
-                      <a:lumOff val="25000"/>
-                    </a:schemeClr>
-                  </a:gs>
-                  <a:gs pos="50000">
-                    <a:schemeClr val="tx1">
-                      <a:lumMod val="75000"/>
-                      <a:lumOff val="25000"/>
-                    </a:schemeClr>
-                  </a:gs>
-                </a:gsLst>
-                <a:lin ang="5400000" scaled="0"/>
-              </a:gradFill>
-              <a:latin typeface="한컴 윤고딕 230" panose="02020603020101020101" pitchFamily="18" charset="-127"/>
-              <a:ea typeface="한컴 윤고딕 230" panose="02020603020101020101" pitchFamily="18" charset="-127"/>
-            </a:endParaRPr>
           </a:p>
           <a:p>
             <a:pPr marL="742950" lvl="1" indent="-285750">
@@ -8261,27 +8229,6 @@
               </a:rPr>
               <a:t>Dimension error</a:t>
             </a:r>
-            <a:endParaRPr lang="en-US" altLang="ko-KR" sz="1400" spc="-20" dirty="0" smtClean="0">
-              <a:gradFill>
-                <a:gsLst>
-                  <a:gs pos="0">
-                    <a:schemeClr val="tx1">
-                      <a:lumMod val="75000"/>
-                      <a:lumOff val="25000"/>
-                    </a:schemeClr>
-                  </a:gs>
-                  <a:gs pos="50000">
-                    <a:schemeClr val="tx1">
-                      <a:lumMod val="75000"/>
-                      <a:lumOff val="25000"/>
-                    </a:schemeClr>
-                  </a:gs>
-                </a:gsLst>
-                <a:lin ang="5400000" scaled="0"/>
-              </a:gradFill>
-              <a:latin typeface="한컴 윤고딕 230" panose="02020603020101020101" pitchFamily="18" charset="-127"/>
-              <a:ea typeface="한컴 윤고딕 230" panose="02020603020101020101" pitchFamily="18" charset="-127"/>
-            </a:endParaRPr>
           </a:p>
           <a:p>
             <a:pPr marL="1200150" lvl="2" indent="-285750">
@@ -8315,27 +8262,6 @@
               </a:rPr>
               <a:t>Metrix column vs vector size</a:t>
             </a:r>
-            <a:endParaRPr lang="en-US" altLang="ko-KR" sz="1400" spc="-20" dirty="0" smtClean="0">
-              <a:gradFill>
-                <a:gsLst>
-                  <a:gs pos="0">
-                    <a:schemeClr val="tx1">
-                      <a:lumMod val="75000"/>
-                      <a:lumOff val="25000"/>
-                    </a:schemeClr>
-                  </a:gs>
-                  <a:gs pos="50000">
-                    <a:schemeClr val="tx1">
-                      <a:lumMod val="75000"/>
-                      <a:lumOff val="25000"/>
-                    </a:schemeClr>
-                  </a:gs>
-                </a:gsLst>
-                <a:lin ang="5400000" scaled="0"/>
-              </a:gradFill>
-              <a:latin typeface="한컴 윤고딕 230" panose="02020603020101020101" pitchFamily="18" charset="-127"/>
-              <a:ea typeface="한컴 윤고딕 230" panose="02020603020101020101" pitchFamily="18" charset="-127"/>
-            </a:endParaRPr>
           </a:p>
           <a:p>
             <a:pPr marL="742950" lvl="1" indent="-285750">
@@ -9281,27 +9207,6 @@
               </a:rPr>
               <a:t>()</a:t>
             </a:r>
-            <a:endParaRPr lang="en-US" altLang="ko-KR" sz="1600" b="1" spc="-20" dirty="0" smtClean="0">
-              <a:gradFill>
-                <a:gsLst>
-                  <a:gs pos="0">
-                    <a:schemeClr val="tx1">
-                      <a:lumMod val="75000"/>
-                      <a:lumOff val="25000"/>
-                    </a:schemeClr>
-                  </a:gs>
-                  <a:gs pos="50000">
-                    <a:schemeClr val="tx1">
-                      <a:lumMod val="75000"/>
-                      <a:lumOff val="25000"/>
-                    </a:schemeClr>
-                  </a:gs>
-                </a:gsLst>
-                <a:lin ang="5400000" scaled="0"/>
-              </a:gradFill>
-              <a:latin typeface="한컴 윤고딕 230" panose="02020603020101020101" pitchFamily="18" charset="-127"/>
-              <a:ea typeface="한컴 윤고딕 230" panose="02020603020101020101" pitchFamily="18" charset="-127"/>
-            </a:endParaRPr>
           </a:p>
           <a:p>
             <a:pPr marL="742950" lvl="1" indent="-285750">
@@ -9610,25 +9515,7 @@
                 <a:latin typeface="HY견명조" panose="02030600000101010101" pitchFamily="18" charset="-127"/>
                 <a:ea typeface="HY견명조" panose="02030600000101010101" pitchFamily="18" charset="-127"/>
               </a:rPr>
-              <a:t>2. Code</a:t>
-            </a:r>
-            <a:r>
-              <a:rPr lang="en-US" altLang="ko-KR" sz="2000" dirty="0" smtClean="0">
-                <a:gradFill>
-                  <a:gsLst>
-                    <a:gs pos="0">
-                      <a:srgbClr val="C00000"/>
-                    </a:gs>
-                    <a:gs pos="100000">
-                      <a:srgbClr val="C00000"/>
-                    </a:gs>
-                  </a:gsLst>
-                  <a:lin ang="5400000" scaled="0"/>
-                </a:gradFill>
-                <a:latin typeface="HY견명조" panose="02030600000101010101" pitchFamily="18" charset="-127"/>
-                <a:ea typeface="HY견명조" panose="02030600000101010101" pitchFamily="18" charset="-127"/>
-              </a:rPr>
-              <a:t>(cont.)</a:t>
+              <a:t>2. Code(cont.)</a:t>
             </a:r>
             <a:endParaRPr lang="ko-KR" altLang="en-US" sz="2000" dirty="0">
               <a:gradFill>
@@ -9740,20 +9627,7 @@
                 <a:latin typeface="맑은 고딕" panose="020B0503020000020004" pitchFamily="50" charset="-127"/>
                 <a:ea typeface="맑은 고딕" panose="020B0503020000020004" pitchFamily="50" charset="-127"/>
               </a:rPr>
-              <a:t> Programming </a:t>
-            </a:r>
-            <a:r>
-              <a:rPr lang="en-US" altLang="ko-KR" sz="700" b="1" dirty="0" smtClean="0">
-                <a:solidFill>
-                  <a:schemeClr val="tx1">
-                    <a:lumMod val="75000"/>
-                    <a:lumOff val="25000"/>
-                  </a:schemeClr>
-                </a:solidFill>
-                <a:latin typeface="맑은 고딕" panose="020B0503020000020004" pitchFamily="50" charset="-127"/>
-                <a:ea typeface="맑은 고딕" panose="020B0503020000020004" pitchFamily="50" charset="-127"/>
-              </a:rPr>
-              <a:t>Seminar</a:t>
+              <a:t> Programming Seminar</a:t>
             </a:r>
             <a:endParaRPr lang="ko-KR" altLang="en-US" sz="700" b="1" dirty="0">
               <a:solidFill>
@@ -9819,27 +9693,6 @@
               </a:rPr>
               <a:t>read matrix &amp; read vector</a:t>
             </a:r>
-            <a:endParaRPr lang="en-US" altLang="ko-KR" sz="1600" b="1" spc="-20" dirty="0" smtClean="0">
-              <a:gradFill>
-                <a:gsLst>
-                  <a:gs pos="0">
-                    <a:schemeClr val="tx1">
-                      <a:lumMod val="75000"/>
-                      <a:lumOff val="25000"/>
-                    </a:schemeClr>
-                  </a:gs>
-                  <a:gs pos="50000">
-                    <a:schemeClr val="tx1">
-                      <a:lumMod val="75000"/>
-                      <a:lumOff val="25000"/>
-                    </a:schemeClr>
-                  </a:gs>
-                </a:gsLst>
-                <a:lin ang="5400000" scaled="0"/>
-              </a:gradFill>
-              <a:latin typeface="한컴 윤고딕 230" panose="02020603020101020101" pitchFamily="18" charset="-127"/>
-              <a:ea typeface="한컴 윤고딕 230" panose="02020603020101020101" pitchFamily="18" charset="-127"/>
-            </a:endParaRPr>
           </a:p>
           <a:p>
             <a:pPr>
@@ -10800,27 +10653,6 @@
               </a:rPr>
               <a:t>Write result</a:t>
             </a:r>
-            <a:endParaRPr lang="en-US" altLang="ko-KR" sz="1600" b="1" spc="-20" dirty="0" smtClean="0">
-              <a:gradFill>
-                <a:gsLst>
-                  <a:gs pos="0">
-                    <a:schemeClr val="tx1">
-                      <a:lumMod val="75000"/>
-                      <a:lumOff val="25000"/>
-                    </a:schemeClr>
-                  </a:gs>
-                  <a:gs pos="50000">
-                    <a:schemeClr val="tx1">
-                      <a:lumMod val="75000"/>
-                      <a:lumOff val="25000"/>
-                    </a:schemeClr>
-                  </a:gs>
-                </a:gsLst>
-                <a:lin ang="5400000" scaled="0"/>
-              </a:gradFill>
-              <a:latin typeface="한컴 윤고딕 230" panose="02020603020101020101" pitchFamily="18" charset="-127"/>
-              <a:ea typeface="한컴 윤고딕 230" panose="02020603020101020101" pitchFamily="18" charset="-127"/>
-            </a:endParaRPr>
           </a:p>
           <a:p>
             <a:pPr marL="742950" lvl="1" indent="-285750">
@@ -11315,20 +11147,7 @@
                 <a:latin typeface="맑은 고딕" panose="020B0503020000020004" pitchFamily="50" charset="-127"/>
                 <a:ea typeface="맑은 고딕" panose="020B0503020000020004" pitchFamily="50" charset="-127"/>
               </a:rPr>
-              <a:t> Programming </a:t>
-            </a:r>
-            <a:r>
-              <a:rPr lang="en-US" altLang="ko-KR" sz="700" b="1" dirty="0" smtClean="0">
-                <a:solidFill>
-                  <a:schemeClr val="tx1">
-                    <a:lumMod val="75000"/>
-                    <a:lumOff val="25000"/>
-                  </a:schemeClr>
-                </a:solidFill>
-                <a:latin typeface="맑은 고딕" panose="020B0503020000020004" pitchFamily="50" charset="-127"/>
-                <a:ea typeface="맑은 고딕" panose="020B0503020000020004" pitchFamily="50" charset="-127"/>
-              </a:rPr>
-              <a:t>Seminar</a:t>
+              <a:t> Programming Seminar</a:t>
             </a:r>
             <a:endParaRPr lang="ko-KR" altLang="en-US" sz="700" b="1" dirty="0">
               <a:solidFill>
@@ -11394,27 +11213,6 @@
               </a:rPr>
               <a:t>Error detection</a:t>
             </a:r>
-            <a:endParaRPr lang="en-US" altLang="ko-KR" sz="1600" b="1" spc="-20" dirty="0" smtClean="0">
-              <a:gradFill>
-                <a:gsLst>
-                  <a:gs pos="0">
-                    <a:schemeClr val="tx1">
-                      <a:lumMod val="75000"/>
-                      <a:lumOff val="25000"/>
-                    </a:schemeClr>
-                  </a:gs>
-                  <a:gs pos="50000">
-                    <a:schemeClr val="tx1">
-                      <a:lumMod val="75000"/>
-                      <a:lumOff val="25000"/>
-                    </a:schemeClr>
-                  </a:gs>
-                </a:gsLst>
-                <a:lin ang="5400000" scaled="0"/>
-              </a:gradFill>
-              <a:latin typeface="한컴 윤고딕 230" panose="02020603020101020101" pitchFamily="18" charset="-127"/>
-              <a:ea typeface="한컴 윤고딕 230" panose="02020603020101020101" pitchFamily="18" charset="-127"/>
-            </a:endParaRPr>
           </a:p>
           <a:p>
             <a:pPr>
@@ -11908,6 +11706,1499 @@
 </file>
 
 <file path=ppt/slides/slide6.xml><?xml version="1.0" encoding="utf-8"?>
+<p:sld xmlns:a="http://schemas.openxmlformats.org/drawingml/2006/main" xmlns:r="http://schemas.openxmlformats.org/officeDocument/2006/relationships" xmlns:p="http://schemas.openxmlformats.org/presentationml/2006/main">
+  <p:cSld>
+    <p:spTree>
+      <p:nvGrpSpPr>
+        <p:cNvPr id="1" name=""/>
+        <p:cNvGrpSpPr/>
+        <p:nvPr/>
+      </p:nvGrpSpPr>
+      <p:grpSpPr>
+        <a:xfrm>
+          <a:off x="0" y="0"/>
+          <a:ext cx="0" cy="0"/>
+          <a:chOff x="0" y="0"/>
+          <a:chExt cx="0" cy="0"/>
+        </a:xfrm>
+      </p:grpSpPr>
+      <p:sp>
+        <p:nvSpPr>
+          <p:cNvPr id="85" name="TextBox 84"/>
+          <p:cNvSpPr txBox="1"/>
+          <p:nvPr/>
+        </p:nvSpPr>
+        <p:spPr>
+          <a:xfrm>
+            <a:off x="357432" y="1199561"/>
+            <a:ext cx="5750631" cy="4524315"/>
+          </a:xfrm>
+          <a:prstGeom prst="rect">
+            <a:avLst/>
+          </a:prstGeom>
+          <a:noFill/>
+        </p:spPr>
+        <p:txBody>
+          <a:bodyPr wrap="square" rtlCol="0">
+            <a:spAutoFit/>
+          </a:bodyPr>
+          <a:lstStyle/>
+          <a:p>
+            <a:pPr>
+              <a:lnSpc>
+                <a:spcPct val="150000"/>
+              </a:lnSpc>
+            </a:pPr>
+            <a:r>
+              <a:rPr lang="en-US" altLang="ko-KR" sz="1600" b="1" spc="-20" dirty="0" smtClean="0">
+                <a:gradFill>
+                  <a:gsLst>
+                    <a:gs pos="0">
+                      <a:schemeClr val="tx1">
+                        <a:lumMod val="75000"/>
+                        <a:lumOff val="25000"/>
+                      </a:schemeClr>
+                    </a:gs>
+                    <a:gs pos="50000">
+                      <a:schemeClr val="tx1">
+                        <a:lumMod val="75000"/>
+                        <a:lumOff val="25000"/>
+                      </a:schemeClr>
+                    </a:gs>
+                  </a:gsLst>
+                  <a:lin ang="5400000" scaled="0"/>
+                </a:gradFill>
+                <a:latin typeface="한컴 윤고딕 230" panose="02020603020101020101" pitchFamily="18" charset="-127"/>
+                <a:ea typeface="한컴 윤고딕 230" panose="02020603020101020101" pitchFamily="18" charset="-127"/>
+              </a:rPr>
+              <a:t>Good Answer</a:t>
+            </a:r>
+            <a:endParaRPr lang="en-US" altLang="ko-KR" sz="1600" spc="-20" dirty="0">
+              <a:gradFill>
+                <a:gsLst>
+                  <a:gs pos="0">
+                    <a:schemeClr val="tx1">
+                      <a:lumMod val="75000"/>
+                      <a:lumOff val="25000"/>
+                    </a:schemeClr>
+                  </a:gs>
+                  <a:gs pos="50000">
+                    <a:schemeClr val="tx1">
+                      <a:lumMod val="75000"/>
+                      <a:lumOff val="25000"/>
+                    </a:schemeClr>
+                  </a:gs>
+                </a:gsLst>
+                <a:lin ang="5400000" scaled="0"/>
+              </a:gradFill>
+              <a:latin typeface="한컴 윤고딕 230" panose="02020603020101020101" pitchFamily="18" charset="-127"/>
+              <a:ea typeface="한컴 윤고딕 230" panose="02020603020101020101" pitchFamily="18" charset="-127"/>
+            </a:endParaRPr>
+          </a:p>
+          <a:p>
+            <a:pPr marL="742950" lvl="1" indent="-285750">
+              <a:lnSpc>
+                <a:spcPct val="150000"/>
+              </a:lnSpc>
+              <a:buFont typeface="Wingdings" panose="05000000000000000000" pitchFamily="2" charset="2"/>
+              <a:buChar char="ü"/>
+            </a:pPr>
+            <a:endParaRPr lang="en-US" altLang="ko-KR" sz="1400" spc="-20" dirty="0">
+              <a:gradFill>
+                <a:gsLst>
+                  <a:gs pos="0">
+                    <a:schemeClr val="tx1">
+                      <a:lumMod val="75000"/>
+                      <a:lumOff val="25000"/>
+                    </a:schemeClr>
+                  </a:gs>
+                  <a:gs pos="50000">
+                    <a:schemeClr val="tx1">
+                      <a:lumMod val="75000"/>
+                      <a:lumOff val="25000"/>
+                    </a:schemeClr>
+                  </a:gs>
+                </a:gsLst>
+                <a:lin ang="5400000" scaled="0"/>
+              </a:gradFill>
+              <a:latin typeface="한컴 윤고딕 230" panose="02020603020101020101" pitchFamily="18" charset="-127"/>
+              <a:ea typeface="한컴 윤고딕 230" panose="02020603020101020101" pitchFamily="18" charset="-127"/>
+            </a:endParaRPr>
+          </a:p>
+          <a:p>
+            <a:pPr marL="742950" lvl="1" indent="-285750">
+              <a:lnSpc>
+                <a:spcPct val="150000"/>
+              </a:lnSpc>
+              <a:buFont typeface="Wingdings" panose="05000000000000000000" pitchFamily="2" charset="2"/>
+              <a:buChar char="ü"/>
+            </a:pPr>
+            <a:endParaRPr lang="en-US" altLang="ko-KR" sz="1400" spc="-20" dirty="0" smtClean="0">
+              <a:gradFill>
+                <a:gsLst>
+                  <a:gs pos="0">
+                    <a:schemeClr val="tx1">
+                      <a:lumMod val="75000"/>
+                      <a:lumOff val="25000"/>
+                    </a:schemeClr>
+                  </a:gs>
+                  <a:gs pos="50000">
+                    <a:schemeClr val="tx1">
+                      <a:lumMod val="75000"/>
+                      <a:lumOff val="25000"/>
+                    </a:schemeClr>
+                  </a:gs>
+                </a:gsLst>
+                <a:lin ang="5400000" scaled="0"/>
+              </a:gradFill>
+              <a:latin typeface="한컴 윤고딕 230" panose="02020603020101020101" pitchFamily="18" charset="-127"/>
+              <a:ea typeface="한컴 윤고딕 230" panose="02020603020101020101" pitchFamily="18" charset="-127"/>
+            </a:endParaRPr>
+          </a:p>
+          <a:p>
+            <a:pPr marL="742950" lvl="1" indent="-285750">
+              <a:lnSpc>
+                <a:spcPct val="150000"/>
+              </a:lnSpc>
+              <a:buFont typeface="Wingdings" panose="05000000000000000000" pitchFamily="2" charset="2"/>
+              <a:buChar char="ü"/>
+            </a:pPr>
+            <a:endParaRPr lang="en-US" altLang="ko-KR" sz="1400" spc="-20" dirty="0">
+              <a:gradFill>
+                <a:gsLst>
+                  <a:gs pos="0">
+                    <a:schemeClr val="tx1">
+                      <a:lumMod val="75000"/>
+                      <a:lumOff val="25000"/>
+                    </a:schemeClr>
+                  </a:gs>
+                  <a:gs pos="50000">
+                    <a:schemeClr val="tx1">
+                      <a:lumMod val="75000"/>
+                      <a:lumOff val="25000"/>
+                    </a:schemeClr>
+                  </a:gs>
+                </a:gsLst>
+                <a:lin ang="5400000" scaled="0"/>
+              </a:gradFill>
+              <a:latin typeface="한컴 윤고딕 230" panose="02020603020101020101" pitchFamily="18" charset="-127"/>
+              <a:ea typeface="한컴 윤고딕 230" panose="02020603020101020101" pitchFamily="18" charset="-127"/>
+            </a:endParaRPr>
+          </a:p>
+          <a:p>
+            <a:pPr>
+              <a:lnSpc>
+                <a:spcPct val="150000"/>
+              </a:lnSpc>
+            </a:pPr>
+            <a:endParaRPr lang="en-US" altLang="ko-KR" sz="1050" b="1" spc="-20" dirty="0" smtClean="0">
+              <a:gradFill>
+                <a:gsLst>
+                  <a:gs pos="0">
+                    <a:schemeClr val="tx1">
+                      <a:lumMod val="75000"/>
+                      <a:lumOff val="25000"/>
+                    </a:schemeClr>
+                  </a:gs>
+                  <a:gs pos="50000">
+                    <a:schemeClr val="tx1">
+                      <a:lumMod val="75000"/>
+                      <a:lumOff val="25000"/>
+                    </a:schemeClr>
+                  </a:gs>
+                </a:gsLst>
+                <a:lin ang="5400000" scaled="0"/>
+              </a:gradFill>
+              <a:latin typeface="한컴 윤고딕 230" panose="02020603020101020101" pitchFamily="18" charset="-127"/>
+              <a:ea typeface="한컴 윤고딕 230" panose="02020603020101020101" pitchFamily="18" charset="-127"/>
+            </a:endParaRPr>
+          </a:p>
+          <a:p>
+            <a:pPr>
+              <a:lnSpc>
+                <a:spcPct val="150000"/>
+              </a:lnSpc>
+            </a:pPr>
+            <a:r>
+              <a:rPr lang="en-US" altLang="ko-KR" sz="1600" b="1" spc="-20" dirty="0" smtClean="0">
+                <a:gradFill>
+                  <a:gsLst>
+                    <a:gs pos="0">
+                      <a:schemeClr val="tx1">
+                        <a:lumMod val="75000"/>
+                        <a:lumOff val="25000"/>
+                      </a:schemeClr>
+                    </a:gs>
+                    <a:gs pos="50000">
+                      <a:schemeClr val="tx1">
+                        <a:lumMod val="75000"/>
+                        <a:lumOff val="25000"/>
+                      </a:schemeClr>
+                    </a:gs>
+                  </a:gsLst>
+                  <a:lin ang="5400000" scaled="0"/>
+                </a:gradFill>
+                <a:latin typeface="한컴 윤고딕 230" panose="02020603020101020101" pitchFamily="18" charset="-127"/>
+                <a:ea typeface="한컴 윤고딕 230" panose="02020603020101020101" pitchFamily="18" charset="-127"/>
+              </a:rPr>
+              <a:t>Wrong Answer1</a:t>
+            </a:r>
+            <a:endParaRPr lang="en-US" altLang="ko-KR" sz="1600" b="1" spc="-20" dirty="0" smtClean="0">
+              <a:gradFill>
+                <a:gsLst>
+                  <a:gs pos="0">
+                    <a:schemeClr val="tx1">
+                      <a:lumMod val="75000"/>
+                      <a:lumOff val="25000"/>
+                    </a:schemeClr>
+                  </a:gs>
+                  <a:gs pos="50000">
+                    <a:schemeClr val="tx1">
+                      <a:lumMod val="75000"/>
+                      <a:lumOff val="25000"/>
+                    </a:schemeClr>
+                  </a:gs>
+                </a:gsLst>
+                <a:lin ang="5400000" scaled="0"/>
+              </a:gradFill>
+              <a:latin typeface="한컴 윤고딕 230" panose="02020603020101020101" pitchFamily="18" charset="-127"/>
+              <a:ea typeface="한컴 윤고딕 230" panose="02020603020101020101" pitchFamily="18" charset="-127"/>
+            </a:endParaRPr>
+          </a:p>
+          <a:p>
+            <a:pPr marL="742950" lvl="1" indent="-285750">
+              <a:lnSpc>
+                <a:spcPct val="150000"/>
+              </a:lnSpc>
+              <a:buFont typeface="Wingdings" panose="05000000000000000000" pitchFamily="2" charset="2"/>
+              <a:buChar char="ü"/>
+            </a:pPr>
+            <a:endParaRPr lang="en-US" altLang="ko-KR" sz="1400" spc="-20" dirty="0">
+              <a:gradFill>
+                <a:gsLst>
+                  <a:gs pos="0">
+                    <a:schemeClr val="tx1">
+                      <a:lumMod val="75000"/>
+                      <a:lumOff val="25000"/>
+                    </a:schemeClr>
+                  </a:gs>
+                  <a:gs pos="50000">
+                    <a:schemeClr val="tx1">
+                      <a:lumMod val="75000"/>
+                      <a:lumOff val="25000"/>
+                    </a:schemeClr>
+                  </a:gs>
+                </a:gsLst>
+                <a:lin ang="5400000" scaled="0"/>
+              </a:gradFill>
+              <a:latin typeface="한컴 윤고딕 230" panose="02020603020101020101" pitchFamily="18" charset="-127"/>
+              <a:ea typeface="한컴 윤고딕 230" panose="02020603020101020101" pitchFamily="18" charset="-127"/>
+            </a:endParaRPr>
+          </a:p>
+          <a:p>
+            <a:pPr marL="742950" lvl="1" indent="-285750">
+              <a:lnSpc>
+                <a:spcPct val="150000"/>
+              </a:lnSpc>
+              <a:buFont typeface="Wingdings" panose="05000000000000000000" pitchFamily="2" charset="2"/>
+              <a:buChar char="ü"/>
+            </a:pPr>
+            <a:endParaRPr lang="en-US" altLang="ko-KR" sz="1400" spc="-20" dirty="0" smtClean="0">
+              <a:gradFill>
+                <a:gsLst>
+                  <a:gs pos="0">
+                    <a:schemeClr val="tx1">
+                      <a:lumMod val="75000"/>
+                      <a:lumOff val="25000"/>
+                    </a:schemeClr>
+                  </a:gs>
+                  <a:gs pos="50000">
+                    <a:schemeClr val="tx1">
+                      <a:lumMod val="75000"/>
+                      <a:lumOff val="25000"/>
+                    </a:schemeClr>
+                  </a:gs>
+                </a:gsLst>
+                <a:lin ang="5400000" scaled="0"/>
+              </a:gradFill>
+              <a:latin typeface="한컴 윤고딕 230" panose="02020603020101020101" pitchFamily="18" charset="-127"/>
+              <a:ea typeface="한컴 윤고딕 230" panose="02020603020101020101" pitchFamily="18" charset="-127"/>
+            </a:endParaRPr>
+          </a:p>
+          <a:p>
+            <a:pPr marL="742950" lvl="1" indent="-285750">
+              <a:lnSpc>
+                <a:spcPct val="150000"/>
+              </a:lnSpc>
+              <a:buFont typeface="Wingdings" panose="05000000000000000000" pitchFamily="2" charset="2"/>
+              <a:buChar char="ü"/>
+            </a:pPr>
+            <a:endParaRPr lang="en-US" altLang="ko-KR" sz="1400" spc="-20" dirty="0">
+              <a:gradFill>
+                <a:gsLst>
+                  <a:gs pos="0">
+                    <a:schemeClr val="tx1">
+                      <a:lumMod val="75000"/>
+                      <a:lumOff val="25000"/>
+                    </a:schemeClr>
+                  </a:gs>
+                  <a:gs pos="50000">
+                    <a:schemeClr val="tx1">
+                      <a:lumMod val="75000"/>
+                      <a:lumOff val="25000"/>
+                    </a:schemeClr>
+                  </a:gs>
+                </a:gsLst>
+                <a:lin ang="5400000" scaled="0"/>
+              </a:gradFill>
+              <a:latin typeface="한컴 윤고딕 230" panose="02020603020101020101" pitchFamily="18" charset="-127"/>
+              <a:ea typeface="한컴 윤고딕 230" panose="02020603020101020101" pitchFamily="18" charset="-127"/>
+            </a:endParaRPr>
+          </a:p>
+          <a:p>
+            <a:pPr marL="742950" lvl="1" indent="-285750">
+              <a:lnSpc>
+                <a:spcPct val="150000"/>
+              </a:lnSpc>
+              <a:buFont typeface="Wingdings" panose="05000000000000000000" pitchFamily="2" charset="2"/>
+              <a:buChar char="ü"/>
+            </a:pPr>
+            <a:endParaRPr lang="en-US" altLang="ko-KR" sz="1400" spc="-20" dirty="0" smtClean="0">
+              <a:gradFill>
+                <a:gsLst>
+                  <a:gs pos="0">
+                    <a:schemeClr val="tx1">
+                      <a:lumMod val="75000"/>
+                      <a:lumOff val="25000"/>
+                    </a:schemeClr>
+                  </a:gs>
+                  <a:gs pos="50000">
+                    <a:schemeClr val="tx1">
+                      <a:lumMod val="75000"/>
+                      <a:lumOff val="25000"/>
+                    </a:schemeClr>
+                  </a:gs>
+                </a:gsLst>
+                <a:lin ang="5400000" scaled="0"/>
+              </a:gradFill>
+              <a:latin typeface="한컴 윤고딕 230" panose="02020603020101020101" pitchFamily="18" charset="-127"/>
+              <a:ea typeface="한컴 윤고딕 230" panose="02020603020101020101" pitchFamily="18" charset="-127"/>
+            </a:endParaRPr>
+          </a:p>
+          <a:p>
+            <a:pPr>
+              <a:lnSpc>
+                <a:spcPct val="150000"/>
+              </a:lnSpc>
+            </a:pPr>
+            <a:r>
+              <a:rPr lang="en-US" altLang="ko-KR" sz="1600" b="1" spc="-20" dirty="0" smtClean="0">
+                <a:gradFill>
+                  <a:gsLst>
+                    <a:gs pos="0">
+                      <a:schemeClr val="tx1">
+                        <a:lumMod val="75000"/>
+                        <a:lumOff val="25000"/>
+                      </a:schemeClr>
+                    </a:gs>
+                    <a:gs pos="50000">
+                      <a:schemeClr val="tx1">
+                        <a:lumMod val="75000"/>
+                        <a:lumOff val="25000"/>
+                      </a:schemeClr>
+                    </a:gs>
+                  </a:gsLst>
+                  <a:lin ang="5400000" scaled="0"/>
+                </a:gradFill>
+                <a:latin typeface="한컴 윤고딕 230" panose="02020603020101020101" pitchFamily="18" charset="-127"/>
+                <a:ea typeface="한컴 윤고딕 230" panose="02020603020101020101" pitchFamily="18" charset="-127"/>
+              </a:rPr>
+              <a:t>Wrong Answer2</a:t>
+            </a:r>
+            <a:endParaRPr lang="en-US" altLang="ko-KR" sz="1600" b="1" spc="-20" dirty="0">
+              <a:gradFill>
+                <a:gsLst>
+                  <a:gs pos="0">
+                    <a:schemeClr val="tx1">
+                      <a:lumMod val="75000"/>
+                      <a:lumOff val="25000"/>
+                    </a:schemeClr>
+                  </a:gs>
+                  <a:gs pos="50000">
+                    <a:schemeClr val="tx1">
+                      <a:lumMod val="75000"/>
+                      <a:lumOff val="25000"/>
+                    </a:schemeClr>
+                  </a:gs>
+                </a:gsLst>
+                <a:lin ang="5400000" scaled="0"/>
+              </a:gradFill>
+              <a:latin typeface="한컴 윤고딕 230" panose="02020603020101020101" pitchFamily="18" charset="-127"/>
+              <a:ea typeface="한컴 윤고딕 230" panose="02020603020101020101" pitchFamily="18" charset="-127"/>
+            </a:endParaRPr>
+          </a:p>
+          <a:p>
+            <a:pPr marL="742950" lvl="1" indent="-285750">
+              <a:lnSpc>
+                <a:spcPct val="150000"/>
+              </a:lnSpc>
+              <a:buFont typeface="Wingdings" panose="05000000000000000000" pitchFamily="2" charset="2"/>
+              <a:buChar char="ü"/>
+            </a:pPr>
+            <a:endParaRPr lang="en-US" altLang="ko-KR" sz="1400" spc="-20" dirty="0">
+              <a:gradFill>
+                <a:gsLst>
+                  <a:gs pos="0">
+                    <a:schemeClr val="tx1">
+                      <a:lumMod val="75000"/>
+                      <a:lumOff val="25000"/>
+                    </a:schemeClr>
+                  </a:gs>
+                  <a:gs pos="50000">
+                    <a:schemeClr val="tx1">
+                      <a:lumMod val="75000"/>
+                      <a:lumOff val="25000"/>
+                    </a:schemeClr>
+                  </a:gs>
+                </a:gsLst>
+                <a:lin ang="5400000" scaled="0"/>
+              </a:gradFill>
+              <a:latin typeface="한컴 윤고딕 230" panose="02020603020101020101" pitchFamily="18" charset="-127"/>
+              <a:ea typeface="한컴 윤고딕 230" panose="02020603020101020101" pitchFamily="18" charset="-127"/>
+            </a:endParaRPr>
+          </a:p>
+          <a:p>
+            <a:pPr lvl="1">
+              <a:lnSpc>
+                <a:spcPct val="150000"/>
+              </a:lnSpc>
+            </a:pPr>
+            <a:endParaRPr lang="en-US" altLang="ko-KR" sz="1600" spc="-20" dirty="0">
+              <a:gradFill>
+                <a:gsLst>
+                  <a:gs pos="0">
+                    <a:schemeClr val="tx1">
+                      <a:lumMod val="75000"/>
+                      <a:lumOff val="25000"/>
+                    </a:schemeClr>
+                  </a:gs>
+                  <a:gs pos="50000">
+                    <a:schemeClr val="tx1">
+                      <a:lumMod val="75000"/>
+                      <a:lumOff val="25000"/>
+                    </a:schemeClr>
+                  </a:gs>
+                </a:gsLst>
+                <a:lin ang="5400000" scaled="0"/>
+              </a:gradFill>
+              <a:latin typeface="한컴 윤고딕 230" panose="02020603020101020101" pitchFamily="18" charset="-127"/>
+              <a:ea typeface="한컴 윤고딕 230" panose="02020603020101020101" pitchFamily="18" charset="-127"/>
+            </a:endParaRPr>
+          </a:p>
+        </p:txBody>
+      </p:sp>
+      <p:cxnSp>
+        <p:nvCxnSpPr>
+          <p:cNvPr id="2" name="직선 연결선 1"/>
+          <p:cNvCxnSpPr/>
+          <p:nvPr/>
+        </p:nvCxnSpPr>
+        <p:spPr>
+          <a:xfrm>
+            <a:off x="335499" y="260291"/>
+            <a:ext cx="11525387" cy="0"/>
+          </a:xfrm>
+          <a:prstGeom prst="line">
+            <a:avLst/>
+          </a:prstGeom>
+          <a:ln w="3175">
+            <a:solidFill>
+              <a:srgbClr val="68727E"/>
+            </a:solidFill>
+          </a:ln>
+        </p:spPr>
+        <p:style>
+          <a:lnRef idx="1">
+            <a:schemeClr val="accent1"/>
+          </a:lnRef>
+          <a:fillRef idx="0">
+            <a:schemeClr val="accent1"/>
+          </a:fillRef>
+          <a:effectRef idx="0">
+            <a:schemeClr val="accent1"/>
+          </a:effectRef>
+          <a:fontRef idx="minor">
+            <a:schemeClr val="tx1"/>
+          </a:fontRef>
+        </p:style>
+      </p:cxnSp>
+      <p:cxnSp>
+        <p:nvCxnSpPr>
+          <p:cNvPr id="3" name="직선 연결선 2"/>
+          <p:cNvCxnSpPr/>
+          <p:nvPr/>
+        </p:nvCxnSpPr>
+        <p:spPr>
+          <a:xfrm>
+            <a:off x="335499" y="1271494"/>
+            <a:ext cx="11525387" cy="0"/>
+          </a:xfrm>
+          <a:prstGeom prst="line">
+            <a:avLst/>
+          </a:prstGeom>
+          <a:ln w="3175">
+            <a:solidFill>
+              <a:srgbClr val="68727E"/>
+            </a:solidFill>
+          </a:ln>
+        </p:spPr>
+        <p:style>
+          <a:lnRef idx="1">
+            <a:schemeClr val="accent1"/>
+          </a:lnRef>
+          <a:fillRef idx="0">
+            <a:schemeClr val="accent1"/>
+          </a:fillRef>
+          <a:effectRef idx="0">
+            <a:schemeClr val="accent1"/>
+          </a:effectRef>
+          <a:fontRef idx="minor">
+            <a:schemeClr val="tx1"/>
+          </a:fontRef>
+        </p:style>
+      </p:cxnSp>
+      <p:sp>
+        <p:nvSpPr>
+          <p:cNvPr id="4" name="TextBox 3"/>
+          <p:cNvSpPr txBox="1"/>
+          <p:nvPr/>
+        </p:nvSpPr>
+        <p:spPr>
+          <a:xfrm>
+            <a:off x="335497" y="437560"/>
+            <a:ext cx="11525387" cy="369332"/>
+          </a:xfrm>
+          <a:prstGeom prst="rect">
+            <a:avLst/>
+          </a:prstGeom>
+          <a:noFill/>
+        </p:spPr>
+        <p:txBody>
+          <a:bodyPr wrap="square" rtlCol="0">
+            <a:spAutoFit/>
+          </a:bodyPr>
+          <a:lstStyle/>
+          <a:p>
+            <a:pPr>
+              <a:lnSpc>
+                <a:spcPct val="90000"/>
+              </a:lnSpc>
+            </a:pPr>
+            <a:r>
+              <a:rPr lang="en-US" altLang="ko-KR" sz="2000" dirty="0" smtClean="0">
+                <a:gradFill>
+                  <a:gsLst>
+                    <a:gs pos="0">
+                      <a:srgbClr val="C00000"/>
+                    </a:gs>
+                    <a:gs pos="100000">
+                      <a:srgbClr val="C00000"/>
+                    </a:gs>
+                  </a:gsLst>
+                  <a:lin ang="5400000" scaled="0"/>
+                </a:gradFill>
+                <a:latin typeface="HY견명조" panose="02030600000101010101" pitchFamily="18" charset="-127"/>
+                <a:ea typeface="HY견명조" panose="02030600000101010101" pitchFamily="18" charset="-127"/>
+              </a:rPr>
+              <a:t>3. </a:t>
+            </a:r>
+            <a:r>
+              <a:rPr lang="en-US" altLang="ko-KR" sz="2000" dirty="0" smtClean="0">
+                <a:gradFill>
+                  <a:gsLst>
+                    <a:gs pos="0">
+                      <a:srgbClr val="C00000"/>
+                    </a:gs>
+                    <a:gs pos="100000">
+                      <a:srgbClr val="C00000"/>
+                    </a:gs>
+                  </a:gsLst>
+                  <a:lin ang="5400000" scaled="0"/>
+                </a:gradFill>
+                <a:latin typeface="HY견명조" panose="02030600000101010101" pitchFamily="18" charset="-127"/>
+                <a:ea typeface="HY견명조" panose="02030600000101010101" pitchFamily="18" charset="-127"/>
+              </a:rPr>
+              <a:t>Result</a:t>
+            </a:r>
+            <a:endParaRPr lang="ko-KR" altLang="en-US" sz="2000" dirty="0">
+              <a:gradFill>
+                <a:gsLst>
+                  <a:gs pos="0">
+                    <a:srgbClr val="C00000"/>
+                  </a:gs>
+                  <a:gs pos="100000">
+                    <a:srgbClr val="C00000"/>
+                  </a:gs>
+                </a:gsLst>
+                <a:lin ang="5400000" scaled="0"/>
+              </a:gradFill>
+              <a:latin typeface="HY견명조" panose="02030600000101010101" pitchFamily="18" charset="-127"/>
+              <a:ea typeface="HY견명조" panose="02030600000101010101" pitchFamily="18" charset="-127"/>
+            </a:endParaRPr>
+          </a:p>
+        </p:txBody>
+      </p:sp>
+      <p:sp>
+        <p:nvSpPr>
+          <p:cNvPr id="8" name="슬라이드 번호 개체 틀 7"/>
+          <p:cNvSpPr>
+            <a:spLocks noGrp="1"/>
+          </p:cNvSpPr>
+          <p:nvPr>
+            <p:ph type="sldNum" sz="quarter" idx="12"/>
+          </p:nvPr>
+        </p:nvSpPr>
+        <p:spPr>
+          <a:xfrm>
+            <a:off x="8610600" y="6466078"/>
+            <a:ext cx="2743200" cy="365125"/>
+          </a:xfrm>
+        </p:spPr>
+        <p:txBody>
+          <a:bodyPr/>
+          <a:lstStyle/>
+          <a:p>
+            <a:fld id="{2E4EDC03-0EA7-4885-89F1-D70FDD3585C5}" type="slidenum">
+              <a:rPr lang="ko-KR" altLang="en-US" smtClean="0"/>
+              <a:t>6</a:t>
+            </a:fld>
+            <a:endParaRPr lang="ko-KR" altLang="en-US"/>
+          </a:p>
+        </p:txBody>
+      </p:sp>
+      <p:sp>
+        <p:nvSpPr>
+          <p:cNvPr id="23" name="TextBox 22"/>
+          <p:cNvSpPr txBox="1"/>
+          <p:nvPr/>
+        </p:nvSpPr>
+        <p:spPr>
+          <a:xfrm>
+            <a:off x="341779" y="86058"/>
+            <a:ext cx="3861626" cy="178510"/>
+          </a:xfrm>
+          <a:prstGeom prst="rect">
+            <a:avLst/>
+          </a:prstGeom>
+          <a:noFill/>
+        </p:spPr>
+        <p:txBody>
+          <a:bodyPr wrap="square" rtlCol="0">
+            <a:spAutoFit/>
+          </a:bodyPr>
+          <a:lstStyle/>
+          <a:p>
+            <a:pPr>
+              <a:lnSpc>
+                <a:spcPct val="80000"/>
+              </a:lnSpc>
+            </a:pPr>
+            <a:r>
+              <a:rPr lang="en-US" altLang="ko-KR" sz="700" b="1" dirty="0" smtClean="0">
+                <a:solidFill>
+                  <a:schemeClr val="tx1">
+                    <a:lumMod val="75000"/>
+                    <a:lumOff val="25000"/>
+                  </a:schemeClr>
+                </a:solidFill>
+                <a:latin typeface="맑은 고딕" panose="020B0503020000020004" pitchFamily="50" charset="-127"/>
+                <a:ea typeface="맑은 고딕" panose="020B0503020000020004" pitchFamily="50" charset="-127"/>
+              </a:rPr>
+              <a:t>2</a:t>
+            </a:r>
+            <a:r>
+              <a:rPr lang="en-US" altLang="ko-KR" sz="700" b="1" baseline="30000" dirty="0" smtClean="0">
+                <a:solidFill>
+                  <a:schemeClr val="tx1">
+                    <a:lumMod val="75000"/>
+                    <a:lumOff val="25000"/>
+                  </a:schemeClr>
+                </a:solidFill>
+                <a:latin typeface="맑은 고딕" panose="020B0503020000020004" pitchFamily="50" charset="-127"/>
+                <a:ea typeface="맑은 고딕" panose="020B0503020000020004" pitchFamily="50" charset="-127"/>
+              </a:rPr>
+              <a:t>nd</a:t>
+            </a:r>
+            <a:r>
+              <a:rPr lang="en-US" altLang="ko-KR" sz="700" b="1" dirty="0" smtClean="0">
+                <a:solidFill>
+                  <a:schemeClr val="tx1">
+                    <a:lumMod val="75000"/>
+                    <a:lumOff val="25000"/>
+                  </a:schemeClr>
+                </a:solidFill>
+                <a:latin typeface="맑은 고딕" panose="020B0503020000020004" pitchFamily="50" charset="-127"/>
+                <a:ea typeface="맑은 고딕" panose="020B0503020000020004" pitchFamily="50" charset="-127"/>
+              </a:rPr>
+              <a:t> Programming Seminar</a:t>
+            </a:r>
+            <a:endParaRPr lang="ko-KR" altLang="en-US" sz="700" b="1" dirty="0">
+              <a:solidFill>
+                <a:schemeClr val="tx1">
+                  <a:lumMod val="75000"/>
+                  <a:lumOff val="25000"/>
+                </a:schemeClr>
+              </a:solidFill>
+              <a:latin typeface="맑은 고딕" panose="020B0503020000020004" pitchFamily="50" charset="-127"/>
+              <a:ea typeface="맑은 고딕" panose="020B0503020000020004" pitchFamily="50" charset="-127"/>
+            </a:endParaRPr>
+          </a:p>
+        </p:txBody>
+      </p:sp>
+      <p:sp>
+        <p:nvSpPr>
+          <p:cNvPr id="172" name="TextBox 171"/>
+          <p:cNvSpPr txBox="1"/>
+          <p:nvPr/>
+        </p:nvSpPr>
+        <p:spPr>
+          <a:xfrm>
+            <a:off x="6108063" y="1272713"/>
+            <a:ext cx="5750631" cy="4293483"/>
+          </a:xfrm>
+          <a:prstGeom prst="rect">
+            <a:avLst/>
+          </a:prstGeom>
+          <a:noFill/>
+        </p:spPr>
+        <p:txBody>
+          <a:bodyPr wrap="square" rtlCol="0">
+            <a:spAutoFit/>
+          </a:bodyPr>
+          <a:lstStyle/>
+          <a:p>
+            <a:pPr>
+              <a:lnSpc>
+                <a:spcPct val="150000"/>
+              </a:lnSpc>
+            </a:pPr>
+            <a:r>
+              <a:rPr lang="en-US" altLang="ko-KR" sz="1600" b="1" spc="-20" dirty="0" smtClean="0">
+                <a:gradFill>
+                  <a:gsLst>
+                    <a:gs pos="0">
+                      <a:schemeClr val="tx1">
+                        <a:lumMod val="75000"/>
+                        <a:lumOff val="25000"/>
+                      </a:schemeClr>
+                    </a:gs>
+                    <a:gs pos="50000">
+                      <a:schemeClr val="tx1">
+                        <a:lumMod val="75000"/>
+                        <a:lumOff val="25000"/>
+                      </a:schemeClr>
+                    </a:gs>
+                  </a:gsLst>
+                  <a:lin ang="5400000" scaled="0"/>
+                </a:gradFill>
+                <a:latin typeface="한컴 윤고딕 230" panose="02020603020101020101" pitchFamily="18" charset="-127"/>
+                <a:ea typeface="한컴 윤고딕 230" panose="02020603020101020101" pitchFamily="18" charset="-127"/>
+              </a:rPr>
+              <a:t>Wrong Answer3</a:t>
+            </a:r>
+          </a:p>
+          <a:p>
+            <a:pPr>
+              <a:lnSpc>
+                <a:spcPct val="150000"/>
+              </a:lnSpc>
+            </a:pPr>
+            <a:endParaRPr lang="en-US" altLang="ko-KR" sz="1600" b="1" spc="-20" dirty="0">
+              <a:gradFill>
+                <a:gsLst>
+                  <a:gs pos="0">
+                    <a:schemeClr val="tx1">
+                      <a:lumMod val="75000"/>
+                      <a:lumOff val="25000"/>
+                    </a:schemeClr>
+                  </a:gs>
+                  <a:gs pos="50000">
+                    <a:schemeClr val="tx1">
+                      <a:lumMod val="75000"/>
+                      <a:lumOff val="25000"/>
+                    </a:schemeClr>
+                  </a:gs>
+                </a:gsLst>
+                <a:lin ang="5400000" scaled="0"/>
+              </a:gradFill>
+              <a:latin typeface="한컴 윤고딕 230" panose="02020603020101020101" pitchFamily="18" charset="-127"/>
+              <a:ea typeface="한컴 윤고딕 230" panose="02020603020101020101" pitchFamily="18" charset="-127"/>
+            </a:endParaRPr>
+          </a:p>
+          <a:p>
+            <a:pPr>
+              <a:lnSpc>
+                <a:spcPct val="150000"/>
+              </a:lnSpc>
+            </a:pPr>
+            <a:endParaRPr lang="en-US" altLang="ko-KR" sz="1600" b="1" spc="-20" dirty="0" smtClean="0">
+              <a:gradFill>
+                <a:gsLst>
+                  <a:gs pos="0">
+                    <a:schemeClr val="tx1">
+                      <a:lumMod val="75000"/>
+                      <a:lumOff val="25000"/>
+                    </a:schemeClr>
+                  </a:gs>
+                  <a:gs pos="50000">
+                    <a:schemeClr val="tx1">
+                      <a:lumMod val="75000"/>
+                      <a:lumOff val="25000"/>
+                    </a:schemeClr>
+                  </a:gs>
+                </a:gsLst>
+                <a:lin ang="5400000" scaled="0"/>
+              </a:gradFill>
+              <a:latin typeface="한컴 윤고딕 230" panose="02020603020101020101" pitchFamily="18" charset="-127"/>
+              <a:ea typeface="한컴 윤고딕 230" panose="02020603020101020101" pitchFamily="18" charset="-127"/>
+            </a:endParaRPr>
+          </a:p>
+          <a:p>
+            <a:pPr>
+              <a:lnSpc>
+                <a:spcPct val="150000"/>
+              </a:lnSpc>
+            </a:pPr>
+            <a:endParaRPr lang="en-US" altLang="ko-KR" sz="1600" b="1" spc="-20" dirty="0">
+              <a:gradFill>
+                <a:gsLst>
+                  <a:gs pos="0">
+                    <a:schemeClr val="tx1">
+                      <a:lumMod val="75000"/>
+                      <a:lumOff val="25000"/>
+                    </a:schemeClr>
+                  </a:gs>
+                  <a:gs pos="50000">
+                    <a:schemeClr val="tx1">
+                      <a:lumMod val="75000"/>
+                      <a:lumOff val="25000"/>
+                    </a:schemeClr>
+                  </a:gs>
+                </a:gsLst>
+                <a:lin ang="5400000" scaled="0"/>
+              </a:gradFill>
+              <a:latin typeface="한컴 윤고딕 230" panose="02020603020101020101" pitchFamily="18" charset="-127"/>
+              <a:ea typeface="한컴 윤고딕 230" panose="02020603020101020101" pitchFamily="18" charset="-127"/>
+            </a:endParaRPr>
+          </a:p>
+          <a:p>
+            <a:pPr>
+              <a:lnSpc>
+                <a:spcPct val="150000"/>
+              </a:lnSpc>
+            </a:pPr>
+            <a:endParaRPr lang="en-US" altLang="ko-KR" sz="1200" b="1" spc="-20" dirty="0" smtClean="0">
+              <a:gradFill>
+                <a:gsLst>
+                  <a:gs pos="0">
+                    <a:schemeClr val="tx1">
+                      <a:lumMod val="75000"/>
+                      <a:lumOff val="25000"/>
+                    </a:schemeClr>
+                  </a:gs>
+                  <a:gs pos="50000">
+                    <a:schemeClr val="tx1">
+                      <a:lumMod val="75000"/>
+                      <a:lumOff val="25000"/>
+                    </a:schemeClr>
+                  </a:gs>
+                </a:gsLst>
+                <a:lin ang="5400000" scaled="0"/>
+              </a:gradFill>
+              <a:latin typeface="한컴 윤고딕 230" panose="02020603020101020101" pitchFamily="18" charset="-127"/>
+              <a:ea typeface="한컴 윤고딕 230" panose="02020603020101020101" pitchFamily="18" charset="-127"/>
+            </a:endParaRPr>
+          </a:p>
+          <a:p>
+            <a:pPr>
+              <a:lnSpc>
+                <a:spcPct val="150000"/>
+              </a:lnSpc>
+            </a:pPr>
+            <a:r>
+              <a:rPr lang="ko-KR" altLang="en-US" sz="1600" b="1" spc="-20" dirty="0" smtClean="0">
+                <a:gradFill>
+                  <a:gsLst>
+                    <a:gs pos="0">
+                      <a:schemeClr val="tx1">
+                        <a:lumMod val="75000"/>
+                        <a:lumOff val="25000"/>
+                      </a:schemeClr>
+                    </a:gs>
+                    <a:gs pos="50000">
+                      <a:schemeClr val="tx1">
+                        <a:lumMod val="75000"/>
+                        <a:lumOff val="25000"/>
+                      </a:schemeClr>
+                    </a:gs>
+                  </a:gsLst>
+                  <a:lin ang="5400000" scaled="0"/>
+                </a:gradFill>
+                <a:latin typeface="한컴 윤고딕 230" panose="02020603020101020101" pitchFamily="18" charset="-127"/>
+                <a:ea typeface="한컴 윤고딕 230" panose="02020603020101020101" pitchFamily="18" charset="-127"/>
+              </a:rPr>
+              <a:t>대용량</a:t>
+            </a:r>
+            <a:endParaRPr lang="en-US" altLang="ko-KR" sz="1600" b="1" spc="-20" dirty="0" smtClean="0">
+              <a:gradFill>
+                <a:gsLst>
+                  <a:gs pos="0">
+                    <a:schemeClr val="tx1">
+                      <a:lumMod val="75000"/>
+                      <a:lumOff val="25000"/>
+                    </a:schemeClr>
+                  </a:gs>
+                  <a:gs pos="50000">
+                    <a:schemeClr val="tx1">
+                      <a:lumMod val="75000"/>
+                      <a:lumOff val="25000"/>
+                    </a:schemeClr>
+                  </a:gs>
+                </a:gsLst>
+                <a:lin ang="5400000" scaled="0"/>
+              </a:gradFill>
+              <a:latin typeface="한컴 윤고딕 230" panose="02020603020101020101" pitchFamily="18" charset="-127"/>
+              <a:ea typeface="한컴 윤고딕 230" panose="02020603020101020101" pitchFamily="18" charset="-127"/>
+            </a:endParaRPr>
+          </a:p>
+          <a:p>
+            <a:pPr marL="742950" lvl="1" indent="-285750">
+              <a:lnSpc>
+                <a:spcPct val="150000"/>
+              </a:lnSpc>
+              <a:buFont typeface="Wingdings" panose="05000000000000000000" pitchFamily="2" charset="2"/>
+              <a:buChar char="ü"/>
+            </a:pPr>
+            <a:endParaRPr lang="en-US" altLang="ko-KR" sz="1400" spc="-20" dirty="0" smtClean="0">
+              <a:gradFill>
+                <a:gsLst>
+                  <a:gs pos="0">
+                    <a:schemeClr val="tx1">
+                      <a:lumMod val="75000"/>
+                      <a:lumOff val="25000"/>
+                    </a:schemeClr>
+                  </a:gs>
+                  <a:gs pos="50000">
+                    <a:schemeClr val="tx1">
+                      <a:lumMod val="75000"/>
+                      <a:lumOff val="25000"/>
+                    </a:schemeClr>
+                  </a:gs>
+                </a:gsLst>
+                <a:lin ang="5400000" scaled="0"/>
+              </a:gradFill>
+              <a:latin typeface="한컴 윤고딕 230" panose="02020603020101020101" pitchFamily="18" charset="-127"/>
+              <a:ea typeface="한컴 윤고딕 230" panose="02020603020101020101" pitchFamily="18" charset="-127"/>
+            </a:endParaRPr>
+          </a:p>
+          <a:p>
+            <a:pPr marL="742950" lvl="1" indent="-285750">
+              <a:lnSpc>
+                <a:spcPct val="150000"/>
+              </a:lnSpc>
+              <a:buFont typeface="Wingdings" panose="05000000000000000000" pitchFamily="2" charset="2"/>
+              <a:buChar char="ü"/>
+            </a:pPr>
+            <a:endParaRPr lang="en-US" altLang="ko-KR" sz="1400" spc="-20" dirty="0">
+              <a:gradFill>
+                <a:gsLst>
+                  <a:gs pos="0">
+                    <a:schemeClr val="tx1">
+                      <a:lumMod val="75000"/>
+                      <a:lumOff val="25000"/>
+                    </a:schemeClr>
+                  </a:gs>
+                  <a:gs pos="50000">
+                    <a:schemeClr val="tx1">
+                      <a:lumMod val="75000"/>
+                      <a:lumOff val="25000"/>
+                    </a:schemeClr>
+                  </a:gs>
+                </a:gsLst>
+                <a:lin ang="5400000" scaled="0"/>
+              </a:gradFill>
+              <a:latin typeface="한컴 윤고딕 230" panose="02020603020101020101" pitchFamily="18" charset="-127"/>
+              <a:ea typeface="한컴 윤고딕 230" panose="02020603020101020101" pitchFamily="18" charset="-127"/>
+            </a:endParaRPr>
+          </a:p>
+          <a:p>
+            <a:pPr marL="742950" lvl="1" indent="-285750">
+              <a:lnSpc>
+                <a:spcPct val="150000"/>
+              </a:lnSpc>
+              <a:buFont typeface="Wingdings" panose="05000000000000000000" pitchFamily="2" charset="2"/>
+              <a:buChar char="ü"/>
+            </a:pPr>
+            <a:endParaRPr lang="en-US" altLang="ko-KR" sz="1400" spc="-20" dirty="0" smtClean="0">
+              <a:gradFill>
+                <a:gsLst>
+                  <a:gs pos="0">
+                    <a:schemeClr val="tx1">
+                      <a:lumMod val="75000"/>
+                      <a:lumOff val="25000"/>
+                    </a:schemeClr>
+                  </a:gs>
+                  <a:gs pos="50000">
+                    <a:schemeClr val="tx1">
+                      <a:lumMod val="75000"/>
+                      <a:lumOff val="25000"/>
+                    </a:schemeClr>
+                  </a:gs>
+                </a:gsLst>
+                <a:lin ang="5400000" scaled="0"/>
+              </a:gradFill>
+              <a:latin typeface="한컴 윤고딕 230" panose="02020603020101020101" pitchFamily="18" charset="-127"/>
+              <a:ea typeface="한컴 윤고딕 230" panose="02020603020101020101" pitchFamily="18" charset="-127"/>
+            </a:endParaRPr>
+          </a:p>
+          <a:p>
+            <a:pPr marL="742950" lvl="1" indent="-285750">
+              <a:lnSpc>
+                <a:spcPct val="150000"/>
+              </a:lnSpc>
+              <a:buFont typeface="Wingdings" panose="05000000000000000000" pitchFamily="2" charset="2"/>
+              <a:buChar char="ü"/>
+            </a:pPr>
+            <a:endParaRPr lang="en-US" altLang="ko-KR" sz="1400" spc="-20" dirty="0">
+              <a:gradFill>
+                <a:gsLst>
+                  <a:gs pos="0">
+                    <a:schemeClr val="tx1">
+                      <a:lumMod val="75000"/>
+                      <a:lumOff val="25000"/>
+                    </a:schemeClr>
+                  </a:gs>
+                  <a:gs pos="50000">
+                    <a:schemeClr val="tx1">
+                      <a:lumMod val="75000"/>
+                      <a:lumOff val="25000"/>
+                    </a:schemeClr>
+                  </a:gs>
+                </a:gsLst>
+                <a:lin ang="5400000" scaled="0"/>
+              </a:gradFill>
+              <a:latin typeface="한컴 윤고딕 230" panose="02020603020101020101" pitchFamily="18" charset="-127"/>
+              <a:ea typeface="한컴 윤고딕 230" panose="02020603020101020101" pitchFamily="18" charset="-127"/>
+            </a:endParaRPr>
+          </a:p>
+          <a:p>
+            <a:pPr marL="742950" lvl="1" indent="-285750">
+              <a:lnSpc>
+                <a:spcPct val="150000"/>
+              </a:lnSpc>
+              <a:buFont typeface="Wingdings" panose="05000000000000000000" pitchFamily="2" charset="2"/>
+              <a:buChar char="ü"/>
+            </a:pPr>
+            <a:endParaRPr lang="en-US" altLang="ko-KR" sz="1400" spc="-20" dirty="0" smtClean="0">
+              <a:gradFill>
+                <a:gsLst>
+                  <a:gs pos="0">
+                    <a:schemeClr val="tx1">
+                      <a:lumMod val="75000"/>
+                      <a:lumOff val="25000"/>
+                    </a:schemeClr>
+                  </a:gs>
+                  <a:gs pos="50000">
+                    <a:schemeClr val="tx1">
+                      <a:lumMod val="75000"/>
+                      <a:lumOff val="25000"/>
+                    </a:schemeClr>
+                  </a:gs>
+                </a:gsLst>
+                <a:lin ang="5400000" scaled="0"/>
+              </a:gradFill>
+              <a:latin typeface="한컴 윤고딕 230" panose="02020603020101020101" pitchFamily="18" charset="-127"/>
+              <a:ea typeface="한컴 윤고딕 230" panose="02020603020101020101" pitchFamily="18" charset="-127"/>
+            </a:endParaRPr>
+          </a:p>
+          <a:p>
+            <a:pPr marL="742950" lvl="1" indent="-285750">
+              <a:lnSpc>
+                <a:spcPct val="150000"/>
+              </a:lnSpc>
+              <a:buFont typeface="Wingdings" panose="05000000000000000000" pitchFamily="2" charset="2"/>
+              <a:buChar char="ü"/>
+            </a:pPr>
+            <a:endParaRPr lang="en-US" altLang="ko-KR" sz="1600" spc="-20" dirty="0">
+              <a:gradFill>
+                <a:gsLst>
+                  <a:gs pos="0">
+                    <a:schemeClr val="tx1">
+                      <a:lumMod val="75000"/>
+                      <a:lumOff val="25000"/>
+                    </a:schemeClr>
+                  </a:gs>
+                  <a:gs pos="50000">
+                    <a:schemeClr val="tx1">
+                      <a:lumMod val="75000"/>
+                      <a:lumOff val="25000"/>
+                    </a:schemeClr>
+                  </a:gs>
+                </a:gsLst>
+                <a:lin ang="5400000" scaled="0"/>
+              </a:gradFill>
+              <a:latin typeface="한컴 윤고딕 230" panose="02020603020101020101" pitchFamily="18" charset="-127"/>
+              <a:ea typeface="한컴 윤고딕 230" panose="02020603020101020101" pitchFamily="18" charset="-127"/>
+            </a:endParaRPr>
+          </a:p>
+        </p:txBody>
+      </p:sp>
+      <p:sp>
+        <p:nvSpPr>
+          <p:cNvPr id="37" name="직사각형 36"/>
+          <p:cNvSpPr/>
+          <p:nvPr/>
+        </p:nvSpPr>
+        <p:spPr>
+          <a:xfrm>
+            <a:off x="438912" y="1630539"/>
+            <a:ext cx="3956304" cy="1015125"/>
+          </a:xfrm>
+          <a:prstGeom prst="rect">
+            <a:avLst/>
+          </a:prstGeom>
+          <a:noFill/>
+          <a:ln w="38100"/>
+        </p:spPr>
+        <p:style>
+          <a:lnRef idx="2">
+            <a:schemeClr val="accent1">
+              <a:shade val="50000"/>
+            </a:schemeClr>
+          </a:lnRef>
+          <a:fillRef idx="1">
+            <a:schemeClr val="accent1"/>
+          </a:fillRef>
+          <a:effectRef idx="0">
+            <a:schemeClr val="accent1"/>
+          </a:effectRef>
+          <a:fontRef idx="minor">
+            <a:schemeClr val="lt1"/>
+          </a:fontRef>
+        </p:style>
+        <p:txBody>
+          <a:bodyPr rtlCol="0" anchor="ctr"/>
+          <a:lstStyle/>
+          <a:p>
+            <a:pPr algn="ctr"/>
+            <a:endParaRPr lang="ko-KR" altLang="en-US"/>
+          </a:p>
+        </p:txBody>
+      </p:sp>
+      <p:pic>
+        <p:nvPicPr>
+          <p:cNvPr id="17" name="그림 16"/>
+          <p:cNvPicPr>
+            <a:picLocks noChangeAspect="1"/>
+          </p:cNvPicPr>
+          <p:nvPr/>
+        </p:nvPicPr>
+        <p:blipFill rotWithShape="1">
+          <a:blip r:embed="rId3"/>
+          <a:srcRect l="902" t="2178" r="47835" b="75686"/>
+          <a:stretch/>
+        </p:blipFill>
+        <p:spPr>
+          <a:xfrm>
+            <a:off x="615695" y="1711713"/>
+            <a:ext cx="3581614" cy="850647"/>
+          </a:xfrm>
+          <a:prstGeom prst="rect">
+            <a:avLst/>
+          </a:prstGeom>
+        </p:spPr>
+      </p:pic>
+      <p:pic>
+        <p:nvPicPr>
+          <p:cNvPr id="18" name="그림 17"/>
+          <p:cNvPicPr>
+            <a:picLocks noChangeAspect="1"/>
+          </p:cNvPicPr>
+          <p:nvPr/>
+        </p:nvPicPr>
+        <p:blipFill rotWithShape="1">
+          <a:blip r:embed="rId4"/>
+          <a:srcRect l="1113" t="2504" r="50398" b="69070"/>
+          <a:stretch/>
+        </p:blipFill>
+        <p:spPr>
+          <a:xfrm>
+            <a:off x="553317" y="3287197"/>
+            <a:ext cx="3650088" cy="925139"/>
+          </a:xfrm>
+          <a:prstGeom prst="rect">
+            <a:avLst/>
+          </a:prstGeom>
+        </p:spPr>
+      </p:pic>
+      <p:sp>
+        <p:nvSpPr>
+          <p:cNvPr id="19" name="직사각형 18"/>
+          <p:cNvSpPr/>
+          <p:nvPr/>
+        </p:nvSpPr>
+        <p:spPr>
+          <a:xfrm>
+            <a:off x="434446" y="3197841"/>
+            <a:ext cx="3956304" cy="1094374"/>
+          </a:xfrm>
+          <a:prstGeom prst="rect">
+            <a:avLst/>
+          </a:prstGeom>
+          <a:noFill/>
+          <a:ln w="38100"/>
+        </p:spPr>
+        <p:style>
+          <a:lnRef idx="2">
+            <a:schemeClr val="accent1">
+              <a:shade val="50000"/>
+            </a:schemeClr>
+          </a:lnRef>
+          <a:fillRef idx="1">
+            <a:schemeClr val="accent1"/>
+          </a:fillRef>
+          <a:effectRef idx="0">
+            <a:schemeClr val="accent1"/>
+          </a:effectRef>
+          <a:fontRef idx="minor">
+            <a:schemeClr val="lt1"/>
+          </a:fontRef>
+        </p:style>
+        <p:txBody>
+          <a:bodyPr rtlCol="0" anchor="ctr"/>
+          <a:lstStyle/>
+          <a:p>
+            <a:pPr algn="ctr"/>
+            <a:endParaRPr lang="ko-KR" altLang="en-US"/>
+          </a:p>
+        </p:txBody>
+      </p:sp>
+      <p:pic>
+        <p:nvPicPr>
+          <p:cNvPr id="20" name="그림 19"/>
+          <p:cNvPicPr>
+            <a:picLocks noChangeAspect="1"/>
+          </p:cNvPicPr>
+          <p:nvPr/>
+        </p:nvPicPr>
+        <p:blipFill rotWithShape="1">
+          <a:blip r:embed="rId5"/>
+          <a:srcRect l="1597" t="2530" r="48928" b="72831"/>
+          <a:stretch/>
+        </p:blipFill>
+        <p:spPr>
+          <a:xfrm>
+            <a:off x="553316" y="4856583"/>
+            <a:ext cx="3650089" cy="968841"/>
+          </a:xfrm>
+          <a:prstGeom prst="rect">
+            <a:avLst/>
+          </a:prstGeom>
+        </p:spPr>
+      </p:pic>
+      <p:sp>
+        <p:nvSpPr>
+          <p:cNvPr id="21" name="직사각형 20"/>
+          <p:cNvSpPr/>
+          <p:nvPr/>
+        </p:nvSpPr>
+        <p:spPr>
+          <a:xfrm>
+            <a:off x="434446" y="4788897"/>
+            <a:ext cx="3956304" cy="1094374"/>
+          </a:xfrm>
+          <a:prstGeom prst="rect">
+            <a:avLst/>
+          </a:prstGeom>
+          <a:noFill/>
+          <a:ln w="38100"/>
+        </p:spPr>
+        <p:style>
+          <a:lnRef idx="2">
+            <a:schemeClr val="accent1">
+              <a:shade val="50000"/>
+            </a:schemeClr>
+          </a:lnRef>
+          <a:fillRef idx="1">
+            <a:schemeClr val="accent1"/>
+          </a:fillRef>
+          <a:effectRef idx="0">
+            <a:schemeClr val="accent1"/>
+          </a:effectRef>
+          <a:fontRef idx="minor">
+            <a:schemeClr val="lt1"/>
+          </a:fontRef>
+        </p:style>
+        <p:txBody>
+          <a:bodyPr rtlCol="0" anchor="ctr"/>
+          <a:lstStyle/>
+          <a:p>
+            <a:pPr algn="ctr"/>
+            <a:endParaRPr lang="ko-KR" altLang="en-US"/>
+          </a:p>
+        </p:txBody>
+      </p:sp>
+      <p:pic>
+        <p:nvPicPr>
+          <p:cNvPr id="22" name="그림 21"/>
+          <p:cNvPicPr>
+            <a:picLocks noChangeAspect="1"/>
+          </p:cNvPicPr>
+          <p:nvPr/>
+        </p:nvPicPr>
+        <p:blipFill rotWithShape="1">
+          <a:blip r:embed="rId6"/>
+          <a:srcRect l="865" t="2138" r="46540" b="71814"/>
+          <a:stretch/>
+        </p:blipFill>
+        <p:spPr>
+          <a:xfrm>
+            <a:off x="6358278" y="1785912"/>
+            <a:ext cx="3601854" cy="957288"/>
+          </a:xfrm>
+          <a:prstGeom prst="rect">
+            <a:avLst/>
+          </a:prstGeom>
+        </p:spPr>
+      </p:pic>
+      <p:sp>
+        <p:nvSpPr>
+          <p:cNvPr id="24" name="직사각형 23"/>
+          <p:cNvSpPr/>
+          <p:nvPr/>
+        </p:nvSpPr>
+        <p:spPr>
+          <a:xfrm>
+            <a:off x="6189543" y="1711713"/>
+            <a:ext cx="3956304" cy="1094374"/>
+          </a:xfrm>
+          <a:prstGeom prst="rect">
+            <a:avLst/>
+          </a:prstGeom>
+          <a:noFill/>
+          <a:ln w="38100"/>
+        </p:spPr>
+        <p:style>
+          <a:lnRef idx="2">
+            <a:schemeClr val="accent1">
+              <a:shade val="50000"/>
+            </a:schemeClr>
+          </a:lnRef>
+          <a:fillRef idx="1">
+            <a:schemeClr val="accent1"/>
+          </a:fillRef>
+          <a:effectRef idx="0">
+            <a:schemeClr val="accent1"/>
+          </a:effectRef>
+          <a:fontRef idx="minor">
+            <a:schemeClr val="lt1"/>
+          </a:fontRef>
+        </p:style>
+        <p:txBody>
+          <a:bodyPr rtlCol="0" anchor="ctr"/>
+          <a:lstStyle/>
+          <a:p>
+            <a:pPr algn="ctr"/>
+            <a:endParaRPr lang="ko-KR" altLang="en-US"/>
+          </a:p>
+        </p:txBody>
+      </p:sp>
+      <p:pic>
+        <p:nvPicPr>
+          <p:cNvPr id="25" name="그림 24"/>
+          <p:cNvPicPr>
+            <a:picLocks noChangeAspect="1"/>
+          </p:cNvPicPr>
+          <p:nvPr/>
+        </p:nvPicPr>
+        <p:blipFill rotWithShape="1">
+          <a:blip r:embed="rId7"/>
+          <a:srcRect l="1164" t="2142" r="51548" b="76042"/>
+          <a:stretch/>
+        </p:blipFill>
+        <p:spPr>
+          <a:xfrm>
+            <a:off x="6358278" y="3492198"/>
+            <a:ext cx="3595758" cy="963978"/>
+          </a:xfrm>
+          <a:prstGeom prst="rect">
+            <a:avLst/>
+          </a:prstGeom>
+        </p:spPr>
+      </p:pic>
+      <p:sp>
+        <p:nvSpPr>
+          <p:cNvPr id="26" name="직사각형 25"/>
+          <p:cNvSpPr/>
+          <p:nvPr/>
+        </p:nvSpPr>
+        <p:spPr>
+          <a:xfrm>
+            <a:off x="6189543" y="3424689"/>
+            <a:ext cx="3956304" cy="1094374"/>
+          </a:xfrm>
+          <a:prstGeom prst="rect">
+            <a:avLst/>
+          </a:prstGeom>
+          <a:noFill/>
+          <a:ln w="38100"/>
+        </p:spPr>
+        <p:style>
+          <a:lnRef idx="2">
+            <a:schemeClr val="accent1">
+              <a:shade val="50000"/>
+            </a:schemeClr>
+          </a:lnRef>
+          <a:fillRef idx="1">
+            <a:schemeClr val="accent1"/>
+          </a:fillRef>
+          <a:effectRef idx="0">
+            <a:schemeClr val="accent1"/>
+          </a:effectRef>
+          <a:fontRef idx="minor">
+            <a:schemeClr val="lt1"/>
+          </a:fontRef>
+        </p:style>
+        <p:txBody>
+          <a:bodyPr rtlCol="0" anchor="ctr"/>
+          <a:lstStyle/>
+          <a:p>
+            <a:pPr algn="ctr"/>
+            <a:endParaRPr lang="ko-KR" altLang="en-US"/>
+          </a:p>
+        </p:txBody>
+      </p:sp>
+    </p:spTree>
+    <p:extLst>
+      <p:ext uri="{BB962C8B-B14F-4D97-AF65-F5344CB8AC3E}">
+        <p14:creationId xmlns:p14="http://schemas.microsoft.com/office/powerpoint/2010/main" val="2950307733"/>
+      </p:ext>
+    </p:extLst>
+  </p:cSld>
+  <p:clrMapOvr>
+    <a:masterClrMapping/>
+  </p:clrMapOvr>
+  <p:timing>
+    <p:tnLst>
+      <p:par>
+        <p:cTn id="1" dur="indefinite" restart="never" nodeType="tmRoot"/>
+      </p:par>
+    </p:tnLst>
+  </p:timing>
+</p:sld>
+</file>
+
+<file path=ppt/slides/slide7.xml><?xml version="1.0" encoding="utf-8"?>
 <p:sld xmlns:a="http://schemas.openxmlformats.org/drawingml/2006/main" xmlns:r="http://schemas.openxmlformats.org/officeDocument/2006/relationships" xmlns:p="http://schemas.openxmlformats.org/presentationml/2006/main">
   <p:cSld>
     <p:spTree>
